--- a/sensado por niveles/Sensado por niveles.pptx
+++ b/sensado por niveles/Sensado por niveles.pptx
@@ -105,6 +105,11 @@
       </a:defRPr>
     </a:lvl9pPr>
   </p:defaultTextStyle>
+  <p:extLst>
+    <p:ext uri="{EFAFB233-063F-42B5-8137-9DF3F51BA10A}">
+      <p15:sldGuideLst xmlns:p15="http://schemas.microsoft.com/office/powerpoint/2012/main"/>
+    </p:ext>
+  </p:extLst>
 </p:presentation>
 </file>
 
@@ -3357,8 +3362,8 @@
         </p:nvGrpSpPr>
         <p:grpSpPr>
           <a:xfrm>
-            <a:off x="1915486" y="71417"/>
-            <a:ext cx="8126136" cy="6283354"/>
+            <a:off x="1892040" y="657571"/>
+            <a:ext cx="8126136" cy="4770214"/>
             <a:chOff x="1915486" y="71417"/>
             <a:chExt cx="8126136" cy="6283354"/>
           </a:xfrm>
@@ -3520,422 +3525,12 @@
           </p:txBody>
         </p:sp>
       </p:grpSp>
-      <p:grpSp>
-        <p:nvGrpSpPr>
-          <p:cNvPr id="25" name="Group 24">
-            <a:extLst>
-              <a:ext uri="{FF2B5EF4-FFF2-40B4-BE49-F238E27FC236}">
-                <a16:creationId xmlns:a16="http://schemas.microsoft.com/office/drawing/2014/main" id="{D63D1365-E0C7-4EB5-B3F8-9D4186A72AF8}"/>
-              </a:ext>
-            </a:extLst>
-          </p:cNvPr>
-          <p:cNvGrpSpPr/>
-          <p:nvPr/>
-        </p:nvGrpSpPr>
-        <p:grpSpPr>
-          <a:xfrm>
-            <a:off x="7804558" y="629173"/>
-            <a:ext cx="1719745" cy="5427677"/>
-            <a:chOff x="7804558" y="629173"/>
-            <a:chExt cx="1719745" cy="5427677"/>
-          </a:xfrm>
-        </p:grpSpPr>
-        <p:sp>
-          <p:nvSpPr>
-            <p:cNvPr id="5" name="Cylinder 4">
-              <a:extLst>
-                <a:ext uri="{FF2B5EF4-FFF2-40B4-BE49-F238E27FC236}">
-                  <a16:creationId xmlns:a16="http://schemas.microsoft.com/office/drawing/2014/main" id="{E7073512-3885-4619-8CFB-DFE933CB438F}"/>
-                </a:ext>
-              </a:extLst>
-            </p:cNvPr>
-            <p:cNvSpPr/>
-            <p:nvPr/>
-          </p:nvSpPr>
-          <p:spPr>
-            <a:xfrm>
-              <a:off x="7804558" y="629173"/>
-              <a:ext cx="1375795" cy="5427677"/>
-            </a:xfrm>
-            <a:prstGeom prst="can">
-              <a:avLst/>
-            </a:prstGeom>
-          </p:spPr>
-          <p:style>
-            <a:lnRef idx="2">
-              <a:schemeClr val="accent1">
-                <a:shade val="50000"/>
-              </a:schemeClr>
-            </a:lnRef>
-            <a:fillRef idx="1">
-              <a:schemeClr val="accent1"/>
-            </a:fillRef>
-            <a:effectRef idx="0">
-              <a:schemeClr val="accent1"/>
-            </a:effectRef>
-            <a:fontRef idx="minor">
-              <a:schemeClr val="lt1"/>
-            </a:fontRef>
-          </p:style>
-          <p:txBody>
-            <a:bodyPr rtlCol="0" anchor="ctr"/>
-            <a:lstStyle/>
-            <a:p>
-              <a:pPr algn="ctr"/>
-              <a:endParaRPr lang="es-CO"/>
-            </a:p>
-          </p:txBody>
-        </p:sp>
-        <p:sp>
-          <p:nvSpPr>
-            <p:cNvPr id="6" name="Cylinder 5">
-              <a:extLst>
-                <a:ext uri="{FF2B5EF4-FFF2-40B4-BE49-F238E27FC236}">
-                  <a16:creationId xmlns:a16="http://schemas.microsoft.com/office/drawing/2014/main" id="{6CC1D60E-C893-4CB8-8E24-8F24E0C4F26A}"/>
-                </a:ext>
-              </a:extLst>
-            </p:cNvPr>
-            <p:cNvSpPr/>
-            <p:nvPr/>
-          </p:nvSpPr>
-          <p:spPr>
-            <a:xfrm rot="5400000">
-              <a:off x="9020963" y="1619076"/>
-              <a:ext cx="318781" cy="687898"/>
-            </a:xfrm>
-            <a:prstGeom prst="can">
-              <a:avLst/>
-            </a:prstGeom>
-          </p:spPr>
-          <p:style>
-            <a:lnRef idx="2">
-              <a:schemeClr val="accent3">
-                <a:shade val="50000"/>
-              </a:schemeClr>
-            </a:lnRef>
-            <a:fillRef idx="1">
-              <a:schemeClr val="accent3"/>
-            </a:fillRef>
-            <a:effectRef idx="0">
-              <a:schemeClr val="accent3"/>
-            </a:effectRef>
-            <a:fontRef idx="minor">
-              <a:schemeClr val="lt1"/>
-            </a:fontRef>
-          </p:style>
-          <p:txBody>
-            <a:bodyPr rtlCol="0" anchor="ctr"/>
-            <a:lstStyle/>
-            <a:p>
-              <a:pPr algn="ctr"/>
-              <a:endParaRPr lang="es-CO"/>
-            </a:p>
-          </p:txBody>
-        </p:sp>
-        <p:sp>
-          <p:nvSpPr>
-            <p:cNvPr id="7" name="Cylinder 6">
-              <a:extLst>
-                <a:ext uri="{FF2B5EF4-FFF2-40B4-BE49-F238E27FC236}">
-                  <a16:creationId xmlns:a16="http://schemas.microsoft.com/office/drawing/2014/main" id="{9EDB7907-5A79-4966-BD29-3974A5375AD4}"/>
-                </a:ext>
-              </a:extLst>
-            </p:cNvPr>
-            <p:cNvSpPr/>
-            <p:nvPr/>
-          </p:nvSpPr>
-          <p:spPr>
-            <a:xfrm rot="5400000">
-              <a:off x="9020963" y="2925661"/>
-              <a:ext cx="318781" cy="687898"/>
-            </a:xfrm>
-            <a:prstGeom prst="can">
-              <a:avLst/>
-            </a:prstGeom>
-          </p:spPr>
-          <p:style>
-            <a:lnRef idx="2">
-              <a:schemeClr val="accent3">
-                <a:shade val="50000"/>
-              </a:schemeClr>
-            </a:lnRef>
-            <a:fillRef idx="1">
-              <a:schemeClr val="accent3"/>
-            </a:fillRef>
-            <a:effectRef idx="0">
-              <a:schemeClr val="accent3"/>
-            </a:effectRef>
-            <a:fontRef idx="minor">
-              <a:schemeClr val="lt1"/>
-            </a:fontRef>
-          </p:style>
-          <p:txBody>
-            <a:bodyPr rtlCol="0" anchor="ctr"/>
-            <a:lstStyle/>
-            <a:p>
-              <a:pPr algn="ctr"/>
-              <a:endParaRPr lang="es-CO"/>
-            </a:p>
-          </p:txBody>
-        </p:sp>
-        <p:sp>
-          <p:nvSpPr>
-            <p:cNvPr id="8" name="Cylinder 7">
-              <a:extLst>
-                <a:ext uri="{FF2B5EF4-FFF2-40B4-BE49-F238E27FC236}">
-                  <a16:creationId xmlns:a16="http://schemas.microsoft.com/office/drawing/2014/main" id="{3D4474E7-DB62-41F0-B78D-DE9AA13084EC}"/>
-                </a:ext>
-              </a:extLst>
-            </p:cNvPr>
-            <p:cNvSpPr/>
-            <p:nvPr/>
-          </p:nvSpPr>
-          <p:spPr>
-            <a:xfrm rot="5400000">
-              <a:off x="9020961" y="4232246"/>
-              <a:ext cx="318781" cy="687898"/>
-            </a:xfrm>
-            <a:prstGeom prst="can">
-              <a:avLst/>
-            </a:prstGeom>
-          </p:spPr>
-          <p:style>
-            <a:lnRef idx="2">
-              <a:schemeClr val="accent3">
-                <a:shade val="50000"/>
-              </a:schemeClr>
-            </a:lnRef>
-            <a:fillRef idx="1">
-              <a:schemeClr val="accent3"/>
-            </a:fillRef>
-            <a:effectRef idx="0">
-              <a:schemeClr val="accent3"/>
-            </a:effectRef>
-            <a:fontRef idx="minor">
-              <a:schemeClr val="lt1"/>
-            </a:fontRef>
-          </p:style>
-          <p:txBody>
-            <a:bodyPr rtlCol="0" anchor="ctr"/>
-            <a:lstStyle/>
-            <a:p>
-              <a:pPr algn="ctr"/>
-              <a:endParaRPr lang="es-CO"/>
-            </a:p>
-          </p:txBody>
-        </p:sp>
-      </p:grpSp>
-      <p:grpSp>
-        <p:nvGrpSpPr>
-          <p:cNvPr id="26" name="Group 25">
-            <a:extLst>
-              <a:ext uri="{FF2B5EF4-FFF2-40B4-BE49-F238E27FC236}">
-                <a16:creationId xmlns:a16="http://schemas.microsoft.com/office/drawing/2014/main" id="{3D3EEDB0-E495-4B5D-BA48-FB56A1D090F0}"/>
-              </a:ext>
-            </a:extLst>
-          </p:cNvPr>
-          <p:cNvGrpSpPr/>
-          <p:nvPr/>
-        </p:nvGrpSpPr>
-        <p:grpSpPr>
-          <a:xfrm>
-            <a:off x="3011647" y="629174"/>
-            <a:ext cx="1719744" cy="5427677"/>
-            <a:chOff x="3011647" y="629174"/>
-            <a:chExt cx="1719744" cy="5427677"/>
-          </a:xfrm>
-        </p:grpSpPr>
-        <p:sp>
-          <p:nvSpPr>
-            <p:cNvPr id="4" name="Cylinder 3">
-              <a:extLst>
-                <a:ext uri="{FF2B5EF4-FFF2-40B4-BE49-F238E27FC236}">
-                  <a16:creationId xmlns:a16="http://schemas.microsoft.com/office/drawing/2014/main" id="{EF5DD28E-9F1D-48FB-9BB8-D38B50423B9E}"/>
-                </a:ext>
-              </a:extLst>
-            </p:cNvPr>
-            <p:cNvSpPr/>
-            <p:nvPr/>
-          </p:nvSpPr>
-          <p:spPr>
-            <a:xfrm>
-              <a:off x="3011647" y="629174"/>
-              <a:ext cx="1375795" cy="5427677"/>
-            </a:xfrm>
-            <a:prstGeom prst="can">
-              <a:avLst/>
-            </a:prstGeom>
-          </p:spPr>
-          <p:style>
-            <a:lnRef idx="2">
-              <a:schemeClr val="accent1">
-                <a:shade val="50000"/>
-              </a:schemeClr>
-            </a:lnRef>
-            <a:fillRef idx="1">
-              <a:schemeClr val="accent1"/>
-            </a:fillRef>
-            <a:effectRef idx="0">
-              <a:schemeClr val="accent1"/>
-            </a:effectRef>
-            <a:fontRef idx="minor">
-              <a:schemeClr val="lt1"/>
-            </a:fontRef>
-          </p:style>
-          <p:txBody>
-            <a:bodyPr rtlCol="0" anchor="ctr"/>
-            <a:lstStyle/>
-            <a:p>
-              <a:pPr algn="ctr"/>
-              <a:endParaRPr lang="es-CO"/>
-            </a:p>
-          </p:txBody>
-        </p:sp>
-        <p:sp>
-          <p:nvSpPr>
-            <p:cNvPr id="9" name="Cylinder 8">
-              <a:extLst>
-                <a:ext uri="{FF2B5EF4-FFF2-40B4-BE49-F238E27FC236}">
-                  <a16:creationId xmlns:a16="http://schemas.microsoft.com/office/drawing/2014/main" id="{4094447D-81B4-4A3D-A233-A63E2DB8DA60}"/>
-                </a:ext>
-              </a:extLst>
-            </p:cNvPr>
-            <p:cNvSpPr/>
-            <p:nvPr/>
-          </p:nvSpPr>
-          <p:spPr>
-            <a:xfrm rot="5400000">
-              <a:off x="4228051" y="1619076"/>
-              <a:ext cx="318781" cy="687898"/>
-            </a:xfrm>
-            <a:prstGeom prst="can">
-              <a:avLst/>
-            </a:prstGeom>
-          </p:spPr>
-          <p:style>
-            <a:lnRef idx="2">
-              <a:schemeClr val="accent3">
-                <a:shade val="50000"/>
-              </a:schemeClr>
-            </a:lnRef>
-            <a:fillRef idx="1">
-              <a:schemeClr val="accent3"/>
-            </a:fillRef>
-            <a:effectRef idx="0">
-              <a:schemeClr val="accent3"/>
-            </a:effectRef>
-            <a:fontRef idx="minor">
-              <a:schemeClr val="lt1"/>
-            </a:fontRef>
-          </p:style>
-          <p:txBody>
-            <a:bodyPr rtlCol="0" anchor="ctr"/>
-            <a:lstStyle/>
-            <a:p>
-              <a:pPr algn="ctr"/>
-              <a:endParaRPr lang="es-CO" dirty="0"/>
-            </a:p>
-          </p:txBody>
-        </p:sp>
-        <p:sp>
-          <p:nvSpPr>
-            <p:cNvPr id="10" name="Cylinder 9">
-              <a:extLst>
-                <a:ext uri="{FF2B5EF4-FFF2-40B4-BE49-F238E27FC236}">
-                  <a16:creationId xmlns:a16="http://schemas.microsoft.com/office/drawing/2014/main" id="{BC6D70F8-761A-4F01-A66F-E1C8D341CD3E}"/>
-                </a:ext>
-              </a:extLst>
-            </p:cNvPr>
-            <p:cNvSpPr/>
-            <p:nvPr/>
-          </p:nvSpPr>
-          <p:spPr>
-            <a:xfrm rot="5400000">
-              <a:off x="4228051" y="2925661"/>
-              <a:ext cx="318781" cy="687898"/>
-            </a:xfrm>
-            <a:prstGeom prst="can">
-              <a:avLst/>
-            </a:prstGeom>
-          </p:spPr>
-          <p:style>
-            <a:lnRef idx="2">
-              <a:schemeClr val="accent3">
-                <a:shade val="50000"/>
-              </a:schemeClr>
-            </a:lnRef>
-            <a:fillRef idx="1">
-              <a:schemeClr val="accent3"/>
-            </a:fillRef>
-            <a:effectRef idx="0">
-              <a:schemeClr val="accent3"/>
-            </a:effectRef>
-            <a:fontRef idx="minor">
-              <a:schemeClr val="lt1"/>
-            </a:fontRef>
-          </p:style>
-          <p:txBody>
-            <a:bodyPr rtlCol="0" anchor="ctr"/>
-            <a:lstStyle/>
-            <a:p>
-              <a:pPr algn="ctr"/>
-              <a:endParaRPr lang="es-CO"/>
-            </a:p>
-          </p:txBody>
-        </p:sp>
-        <p:sp>
-          <p:nvSpPr>
-            <p:cNvPr id="11" name="Cylinder 10">
-              <a:extLst>
-                <a:ext uri="{FF2B5EF4-FFF2-40B4-BE49-F238E27FC236}">
-                  <a16:creationId xmlns:a16="http://schemas.microsoft.com/office/drawing/2014/main" id="{C4528FA8-6A48-4BF9-9134-EFF3AC16E1A6}"/>
-                </a:ext>
-              </a:extLst>
-            </p:cNvPr>
-            <p:cNvSpPr/>
-            <p:nvPr/>
-          </p:nvSpPr>
-          <p:spPr>
-            <a:xfrm rot="5400000">
-              <a:off x="4228049" y="4232246"/>
-              <a:ext cx="318781" cy="687898"/>
-            </a:xfrm>
-            <a:prstGeom prst="can">
-              <a:avLst/>
-            </a:prstGeom>
-          </p:spPr>
-          <p:style>
-            <a:lnRef idx="2">
-              <a:schemeClr val="accent3">
-                <a:shade val="50000"/>
-              </a:schemeClr>
-            </a:lnRef>
-            <a:fillRef idx="1">
-              <a:schemeClr val="accent3"/>
-            </a:fillRef>
-            <a:effectRef idx="0">
-              <a:schemeClr val="accent3"/>
-            </a:effectRef>
-            <a:fontRef idx="minor">
-              <a:schemeClr val="lt1"/>
-            </a:fontRef>
-          </p:style>
-          <p:txBody>
-            <a:bodyPr rtlCol="0" anchor="ctr"/>
-            <a:lstStyle/>
-            <a:p>
-              <a:pPr algn="ctr"/>
-              <a:endParaRPr lang="es-CO"/>
-            </a:p>
-          </p:txBody>
-        </p:sp>
-      </p:grpSp>
-      <p:sp>
-        <p:nvSpPr>
-          <p:cNvPr id="12" name="Rectangle 11">
-            <a:extLst>
-              <a:ext uri="{FF2B5EF4-FFF2-40B4-BE49-F238E27FC236}">
-                <a16:creationId xmlns:a16="http://schemas.microsoft.com/office/drawing/2014/main" id="{B1EDCE83-1569-4CCD-B3A8-464B0E1BFA3D}"/>
+      <p:sp>
+        <p:nvSpPr>
+          <p:cNvPr id="5" name="Cylinder 4">
+            <a:extLst>
+              <a:ext uri="{FF2B5EF4-FFF2-40B4-BE49-F238E27FC236}">
+                <a16:creationId xmlns:a16="http://schemas.microsoft.com/office/drawing/2014/main" id="{E7073512-3885-4619-8CFB-DFE933CB438F}"/>
               </a:ext>
             </a:extLst>
           </p:cNvPr>
@@ -3944,7 +3539,99 @@
         </p:nvSpPr>
         <p:spPr>
           <a:xfrm>
-            <a:off x="2432807" y="1510018"/>
+            <a:off x="7781112" y="1215328"/>
+            <a:ext cx="1375795" cy="3787632"/>
+          </a:xfrm>
+          <a:prstGeom prst="can">
+            <a:avLst/>
+          </a:prstGeom>
+        </p:spPr>
+        <p:style>
+          <a:lnRef idx="2">
+            <a:schemeClr val="accent1">
+              <a:shade val="50000"/>
+            </a:schemeClr>
+          </a:lnRef>
+          <a:fillRef idx="1">
+            <a:schemeClr val="accent1"/>
+          </a:fillRef>
+          <a:effectRef idx="0">
+            <a:schemeClr val="accent1"/>
+          </a:effectRef>
+          <a:fontRef idx="minor">
+            <a:schemeClr val="lt1"/>
+          </a:fontRef>
+        </p:style>
+        <p:txBody>
+          <a:bodyPr rtlCol="0" anchor="ctr"/>
+          <a:lstStyle/>
+          <a:p>
+            <a:pPr algn="ctr"/>
+            <a:endParaRPr lang="es-CO"/>
+          </a:p>
+        </p:txBody>
+      </p:sp>
+      <p:sp>
+        <p:nvSpPr>
+          <p:cNvPr id="4" name="Cylinder 3">
+            <a:extLst>
+              <a:ext uri="{FF2B5EF4-FFF2-40B4-BE49-F238E27FC236}">
+                <a16:creationId xmlns:a16="http://schemas.microsoft.com/office/drawing/2014/main" id="{EF5DD28E-9F1D-48FB-9BB8-D38B50423B9E}"/>
+              </a:ext>
+            </a:extLst>
+          </p:cNvPr>
+          <p:cNvSpPr/>
+          <p:nvPr/>
+        </p:nvSpPr>
+        <p:spPr>
+          <a:xfrm>
+            <a:off x="2988201" y="1215329"/>
+            <a:ext cx="1375795" cy="3787630"/>
+          </a:xfrm>
+          <a:prstGeom prst="can">
+            <a:avLst/>
+          </a:prstGeom>
+        </p:spPr>
+        <p:style>
+          <a:lnRef idx="2">
+            <a:schemeClr val="accent1">
+              <a:shade val="50000"/>
+            </a:schemeClr>
+          </a:lnRef>
+          <a:fillRef idx="1">
+            <a:schemeClr val="accent1"/>
+          </a:fillRef>
+          <a:effectRef idx="0">
+            <a:schemeClr val="accent1"/>
+          </a:effectRef>
+          <a:fontRef idx="minor">
+            <a:schemeClr val="lt1"/>
+          </a:fontRef>
+        </p:style>
+        <p:txBody>
+          <a:bodyPr rtlCol="0" anchor="ctr"/>
+          <a:lstStyle/>
+          <a:p>
+            <a:pPr algn="ctr"/>
+            <a:endParaRPr lang="es-CO"/>
+          </a:p>
+        </p:txBody>
+      </p:sp>
+      <p:sp>
+        <p:nvSpPr>
+          <p:cNvPr id="12" name="Rectangle 11">
+            <a:extLst>
+              <a:ext uri="{FF2B5EF4-FFF2-40B4-BE49-F238E27FC236}">
+                <a16:creationId xmlns:a16="http://schemas.microsoft.com/office/drawing/2014/main" id="{B1EDCE83-1569-4CCD-B3A8-464B0E1BFA3D}"/>
+              </a:ext>
+            </a:extLst>
+          </p:cNvPr>
+          <p:cNvSpPr/>
+          <p:nvPr/>
+        </p:nvSpPr>
+        <p:spPr>
+          <a:xfrm>
+            <a:off x="2409361" y="2096172"/>
             <a:ext cx="7608815" cy="931178"/>
           </a:xfrm>
           <a:prstGeom prst="rect">
@@ -3998,7 +3685,7 @@
         </p:nvSpPr>
         <p:spPr>
           <a:xfrm>
-            <a:off x="10207047" y="1803634"/>
+            <a:off x="10183601" y="2389788"/>
             <a:ext cx="826829" cy="369332"/>
           </a:xfrm>
           <a:prstGeom prst="rect">
@@ -4034,7 +3721,7 @@
         </p:nvSpPr>
         <p:spPr>
           <a:xfrm>
-            <a:off x="2432807" y="2734812"/>
+            <a:off x="2409361" y="3320966"/>
             <a:ext cx="7608815" cy="931178"/>
           </a:xfrm>
           <a:prstGeom prst="rect">
@@ -4088,7 +3775,7 @@
         </p:nvSpPr>
         <p:spPr>
           <a:xfrm>
-            <a:off x="10207047" y="3028428"/>
+            <a:off x="10183601" y="3614582"/>
             <a:ext cx="826829" cy="369332"/>
           </a:xfrm>
           <a:prstGeom prst="rect">
@@ -4112,109 +3799,19 @@
       </p:sp>
       <p:sp>
         <p:nvSpPr>
-          <p:cNvPr id="16" name="Rectangle 15">
-            <a:extLst>
-              <a:ext uri="{FF2B5EF4-FFF2-40B4-BE49-F238E27FC236}">
-                <a16:creationId xmlns:a16="http://schemas.microsoft.com/office/drawing/2014/main" id="{E4FA045F-0993-4733-BEF4-23A533BF7761}"/>
-              </a:ext>
-            </a:extLst>
-          </p:cNvPr>
-          <p:cNvSpPr/>
+          <p:cNvPr id="21" name="TextBox 20">
+            <a:extLst>
+              <a:ext uri="{FF2B5EF4-FFF2-40B4-BE49-F238E27FC236}">
+                <a16:creationId xmlns:a16="http://schemas.microsoft.com/office/drawing/2014/main" id="{F8C1E462-E003-42B2-9D79-605A81DA5914}"/>
+              </a:ext>
+            </a:extLst>
+          </p:cNvPr>
+          <p:cNvSpPr txBox="1"/>
           <p:nvPr/>
         </p:nvSpPr>
         <p:spPr>
           <a:xfrm>
-            <a:off x="2432807" y="4041397"/>
-            <a:ext cx="7608815" cy="931178"/>
-          </a:xfrm>
-          <a:prstGeom prst="rect">
-            <a:avLst/>
-          </a:prstGeom>
-          <a:noFill/>
-          <a:ln w="12700" cap="flat" cmpd="sng" algn="ctr">
-            <a:solidFill>
-              <a:schemeClr val="dk1"/>
-            </a:solidFill>
-            <a:prstDash val="dash"/>
-            <a:round/>
-            <a:headEnd type="none" w="med" len="med"/>
-            <a:tailEnd type="none" w="med" len="med"/>
-          </a:ln>
-        </p:spPr>
-        <p:style>
-          <a:lnRef idx="0">
-            <a:scrgbClr r="0" g="0" b="0"/>
-          </a:lnRef>
-          <a:fillRef idx="0">
-            <a:scrgbClr r="0" g="0" b="0"/>
-          </a:fillRef>
-          <a:effectRef idx="0">
-            <a:scrgbClr r="0" g="0" b="0"/>
-          </a:effectRef>
-          <a:fontRef idx="minor">
-            <a:schemeClr val="dk1"/>
-          </a:fontRef>
-        </p:style>
-        <p:txBody>
-          <a:bodyPr rtlCol="0" anchor="ctr"/>
-          <a:lstStyle/>
-          <a:p>
-            <a:pPr algn="ctr"/>
-            <a:endParaRPr lang="es-CO"/>
-          </a:p>
-        </p:txBody>
-      </p:sp>
-      <p:sp>
-        <p:nvSpPr>
-          <p:cNvPr id="17" name="TextBox 16">
-            <a:extLst>
-              <a:ext uri="{FF2B5EF4-FFF2-40B4-BE49-F238E27FC236}">
-                <a16:creationId xmlns:a16="http://schemas.microsoft.com/office/drawing/2014/main" id="{7E478BBD-98CC-4A99-B940-4E6039122E1C}"/>
-              </a:ext>
-            </a:extLst>
-          </p:cNvPr>
-          <p:cNvSpPr txBox="1"/>
-          <p:nvPr/>
-        </p:nvSpPr>
-        <p:spPr>
-          <a:xfrm>
-            <a:off x="10207047" y="4335013"/>
-            <a:ext cx="826829" cy="369332"/>
-          </a:xfrm>
-          <a:prstGeom prst="rect">
-            <a:avLst/>
-          </a:prstGeom>
-          <a:noFill/>
-        </p:spPr>
-        <p:txBody>
-          <a:bodyPr wrap="none" rtlCol="0">
-            <a:spAutoFit/>
-          </a:bodyPr>
-          <a:lstStyle/>
-          <a:p>
-            <a:r>
-              <a:rPr lang="en-US" dirty="0"/>
-              <a:t>Nivel 3</a:t>
-            </a:r>
-            <a:endParaRPr lang="es-CO" dirty="0"/>
-          </a:p>
-        </p:txBody>
-      </p:sp>
-      <p:sp>
-        <p:nvSpPr>
-          <p:cNvPr id="21" name="TextBox 20">
-            <a:extLst>
-              <a:ext uri="{FF2B5EF4-FFF2-40B4-BE49-F238E27FC236}">
-                <a16:creationId xmlns:a16="http://schemas.microsoft.com/office/drawing/2014/main" id="{F8C1E462-E003-42B2-9D79-605A81DA5914}"/>
-              </a:ext>
-            </a:extLst>
-          </p:cNvPr>
-          <p:cNvSpPr txBox="1"/>
-          <p:nvPr/>
-        </p:nvSpPr>
-        <p:spPr>
-          <a:xfrm>
-            <a:off x="3286129" y="6400805"/>
+            <a:off x="3193214" y="5626294"/>
             <a:ext cx="812979" cy="369332"/>
           </a:xfrm>
           <a:prstGeom prst="rect">
@@ -4250,7 +3847,7 @@
         </p:nvSpPr>
         <p:spPr>
           <a:xfrm>
-            <a:off x="8092894" y="6372271"/>
+            <a:off x="7971638" y="5626294"/>
             <a:ext cx="812979" cy="369332"/>
           </a:xfrm>
           <a:prstGeom prst="rect">
@@ -4286,7 +3883,7 @@
         </p:nvSpPr>
         <p:spPr>
           <a:xfrm>
-            <a:off x="5665052" y="6360846"/>
+            <a:off x="5689510" y="5626340"/>
             <a:ext cx="812979" cy="369332"/>
           </a:xfrm>
           <a:prstGeom prst="rect">
@@ -4305,6 +3902,190 @@
               <a:t>Zona 2</a:t>
             </a:r>
             <a:endParaRPr lang="es-CO" dirty="0"/>
+          </a:p>
+        </p:txBody>
+      </p:sp>
+      <p:sp>
+        <p:nvSpPr>
+          <p:cNvPr id="27" name="Cylinder 26">
+            <a:extLst>
+              <a:ext uri="{FF2B5EF4-FFF2-40B4-BE49-F238E27FC236}">
+                <a16:creationId xmlns:a16="http://schemas.microsoft.com/office/drawing/2014/main" id="{0211E865-E4CA-4D9B-9ECC-CAB21BAAACA1}"/>
+              </a:ext>
+            </a:extLst>
+          </p:cNvPr>
+          <p:cNvSpPr/>
+          <p:nvPr/>
+        </p:nvSpPr>
+        <p:spPr>
+          <a:xfrm rot="5400000">
+            <a:off x="4162604" y="2255242"/>
+            <a:ext cx="318781" cy="687898"/>
+          </a:xfrm>
+          <a:prstGeom prst="can">
+            <a:avLst/>
+          </a:prstGeom>
+        </p:spPr>
+        <p:style>
+          <a:lnRef idx="2">
+            <a:schemeClr val="accent3">
+              <a:shade val="50000"/>
+            </a:schemeClr>
+          </a:lnRef>
+          <a:fillRef idx="1">
+            <a:schemeClr val="accent3"/>
+          </a:fillRef>
+          <a:effectRef idx="0">
+            <a:schemeClr val="accent3"/>
+          </a:effectRef>
+          <a:fontRef idx="minor">
+            <a:schemeClr val="lt1"/>
+          </a:fontRef>
+        </p:style>
+        <p:txBody>
+          <a:bodyPr rtlCol="0" anchor="ctr"/>
+          <a:lstStyle/>
+          <a:p>
+            <a:pPr algn="ctr"/>
+            <a:endParaRPr lang="es-CO"/>
+          </a:p>
+        </p:txBody>
+      </p:sp>
+      <p:sp>
+        <p:nvSpPr>
+          <p:cNvPr id="28" name="Cylinder 27">
+            <a:extLst>
+              <a:ext uri="{FF2B5EF4-FFF2-40B4-BE49-F238E27FC236}">
+                <a16:creationId xmlns:a16="http://schemas.microsoft.com/office/drawing/2014/main" id="{75520BB2-6B23-4D67-84A9-0411E3506D99}"/>
+              </a:ext>
+            </a:extLst>
+          </p:cNvPr>
+          <p:cNvSpPr/>
+          <p:nvPr/>
+        </p:nvSpPr>
+        <p:spPr>
+          <a:xfrm rot="5400000">
+            <a:off x="4167591" y="3510018"/>
+            <a:ext cx="318781" cy="687898"/>
+          </a:xfrm>
+          <a:prstGeom prst="can">
+            <a:avLst/>
+          </a:prstGeom>
+        </p:spPr>
+        <p:style>
+          <a:lnRef idx="2">
+            <a:schemeClr val="accent3">
+              <a:shade val="50000"/>
+            </a:schemeClr>
+          </a:lnRef>
+          <a:fillRef idx="1">
+            <a:schemeClr val="accent3"/>
+          </a:fillRef>
+          <a:effectRef idx="0">
+            <a:schemeClr val="accent3"/>
+          </a:effectRef>
+          <a:fontRef idx="minor">
+            <a:schemeClr val="lt1"/>
+          </a:fontRef>
+        </p:style>
+        <p:txBody>
+          <a:bodyPr rtlCol="0" anchor="ctr"/>
+          <a:lstStyle/>
+          <a:p>
+            <a:pPr algn="ctr"/>
+            <a:endParaRPr lang="es-CO"/>
+          </a:p>
+        </p:txBody>
+      </p:sp>
+      <p:sp>
+        <p:nvSpPr>
+          <p:cNvPr id="29" name="Cylinder 28">
+            <a:extLst>
+              <a:ext uri="{FF2B5EF4-FFF2-40B4-BE49-F238E27FC236}">
+                <a16:creationId xmlns:a16="http://schemas.microsoft.com/office/drawing/2014/main" id="{A17FBAC7-8131-4937-A4CB-CE18207654FA}"/>
+              </a:ext>
+            </a:extLst>
+          </p:cNvPr>
+          <p:cNvSpPr/>
+          <p:nvPr/>
+        </p:nvSpPr>
+        <p:spPr>
+          <a:xfrm rot="5400000">
+            <a:off x="8997517" y="2255242"/>
+            <a:ext cx="318781" cy="687898"/>
+          </a:xfrm>
+          <a:prstGeom prst="can">
+            <a:avLst/>
+          </a:prstGeom>
+        </p:spPr>
+        <p:style>
+          <a:lnRef idx="2">
+            <a:schemeClr val="accent3">
+              <a:shade val="50000"/>
+            </a:schemeClr>
+          </a:lnRef>
+          <a:fillRef idx="1">
+            <a:schemeClr val="accent3"/>
+          </a:fillRef>
+          <a:effectRef idx="0">
+            <a:schemeClr val="accent3"/>
+          </a:effectRef>
+          <a:fontRef idx="minor">
+            <a:schemeClr val="lt1"/>
+          </a:fontRef>
+        </p:style>
+        <p:txBody>
+          <a:bodyPr rtlCol="0" anchor="ctr"/>
+          <a:lstStyle/>
+          <a:p>
+            <a:pPr algn="ctr"/>
+            <a:endParaRPr lang="es-CO"/>
+          </a:p>
+        </p:txBody>
+      </p:sp>
+      <p:sp>
+        <p:nvSpPr>
+          <p:cNvPr id="30" name="Cylinder 29">
+            <a:extLst>
+              <a:ext uri="{FF2B5EF4-FFF2-40B4-BE49-F238E27FC236}">
+                <a16:creationId xmlns:a16="http://schemas.microsoft.com/office/drawing/2014/main" id="{C609AB87-E0E5-4A16-9372-9DC04FA33F47}"/>
+              </a:ext>
+            </a:extLst>
+          </p:cNvPr>
+          <p:cNvSpPr/>
+          <p:nvPr/>
+        </p:nvSpPr>
+        <p:spPr>
+          <a:xfrm rot="5400000">
+            <a:off x="8997517" y="3510018"/>
+            <a:ext cx="318781" cy="687898"/>
+          </a:xfrm>
+          <a:prstGeom prst="can">
+            <a:avLst/>
+          </a:prstGeom>
+        </p:spPr>
+        <p:style>
+          <a:lnRef idx="2">
+            <a:schemeClr val="accent3">
+              <a:shade val="50000"/>
+            </a:schemeClr>
+          </a:lnRef>
+          <a:fillRef idx="1">
+            <a:schemeClr val="accent3"/>
+          </a:fillRef>
+          <a:effectRef idx="0">
+            <a:schemeClr val="accent3"/>
+          </a:effectRef>
+          <a:fontRef idx="minor">
+            <a:schemeClr val="lt1"/>
+          </a:fontRef>
+        </p:style>
+        <p:txBody>
+          <a:bodyPr rtlCol="0" anchor="ctr"/>
+          <a:lstStyle/>
+          <a:p>
+            <a:pPr algn="ctr"/>
+            <a:endParaRPr lang="es-CO"/>
           </a:p>
         </p:txBody>
       </p:sp>
@@ -4324,6 +4105,14 @@
 <file path=ppt/slides/slide2.xml><?xml version="1.0" encoding="utf-8"?>
 <p:sld xmlns:a="http://schemas.openxmlformats.org/drawingml/2006/main" xmlns:r="http://schemas.openxmlformats.org/officeDocument/2006/relationships" xmlns:p="http://schemas.openxmlformats.org/presentationml/2006/main">
   <p:cSld>
+    <p:bg>
+      <p:bgPr>
+        <a:solidFill>
+          <a:schemeClr val="bg1"/>
+        </a:solidFill>
+        <a:effectLst/>
+      </p:bgPr>
+    </p:bg>
     <p:spTree>
       <p:nvGrpSpPr>
         <p:cNvPr id="1" name=""/>
@@ -4340,10 +4129,10 @@
       </p:grpSpPr>
       <p:pic>
         <p:nvPicPr>
-          <p:cNvPr id="8" name="Picture 7">
-            <a:extLst>
-              <a:ext uri="{FF2B5EF4-FFF2-40B4-BE49-F238E27FC236}">
-                <a16:creationId xmlns:a16="http://schemas.microsoft.com/office/drawing/2014/main" id="{386EE3EF-62E1-4780-BA50-1EFEADDC934E}"/>
+          <p:cNvPr id="2" name="Picture 1">
+            <a:extLst>
+              <a:ext uri="{FF2B5EF4-FFF2-40B4-BE49-F238E27FC236}">
+                <a16:creationId xmlns:a16="http://schemas.microsoft.com/office/drawing/2014/main" id="{A3C348D5-76BD-409E-A652-1F59B4DFEDC3}"/>
               </a:ext>
             </a:extLst>
           </p:cNvPr>
@@ -4353,15 +4142,15 @@
           <p:nvPr/>
         </p:nvPicPr>
         <p:blipFill>
-          <a:blip r:embed="rId3"/>
+          <a:blip r:embed="rId2"/>
           <a:stretch>
             <a:fillRect/>
           </a:stretch>
         </p:blipFill>
         <p:spPr>
           <a:xfrm>
-            <a:off x="1766827" y="606097"/>
-            <a:ext cx="8658346" cy="5645805"/>
+            <a:off x="1863318" y="1433340"/>
+            <a:ext cx="8465364" cy="3771801"/>
           </a:xfrm>
           <a:prstGeom prst="rect">
             <a:avLst/>
